--- a/Supplementary documents/Brand guidelines/Branding.pptx
+++ b/Supplementary documents/Brand guidelines/Branding.pptx
@@ -9,11 +9,12 @@
     <p:sldId id="257" r:id="rId3"/>
     <p:sldId id="258" r:id="rId4"/>
     <p:sldId id="259" r:id="rId5"/>
+    <p:sldId id="260" r:id="rId6"/>
   </p:sldIdLst>
   <p:sldSz cx="12192000" cy="6858000"/>
   <p:notesSz cx="6858000" cy="9144000"/>
   <p:custDataLst>
-    <p:tags r:id="rId6"/>
+    <p:tags r:id="rId7"/>
   </p:custDataLst>
   <p:defaultTextStyle>
     <a:defPPr>
@@ -110,6 +111,11 @@
       </a:defRPr>
     </a:lvl9pPr>
   </p:defaultTextStyle>
+  <p:extLst>
+    <p:ext uri="{EFAFB233-063F-42B5-8137-9DF3F51BA10A}">
+      <p15:sldGuideLst xmlns:p15="http://schemas.microsoft.com/office/powerpoint/2012/main"/>
+    </p:ext>
+  </p:extLst>
 </p:presentation>
 </file>
 
@@ -126,7 +132,7 @@
   <pc:docChgLst>
     <pc:chgData name="Samuel Attwood" userId="b0fb8492-40a6-4f95-855e-ceb3fbec2bf8" providerId="ADAL" clId="{8CBCEF3D-AD59-40EB-A8BD-B91A27B37116}"/>
     <pc:docChg chg="undo custSel addSld modSld sldOrd addMainMaster delMainMaster replTag delTag">
-      <pc:chgData name="Samuel Attwood" userId="b0fb8492-40a6-4f95-855e-ceb3fbec2bf8" providerId="ADAL" clId="{8CBCEF3D-AD59-40EB-A8BD-B91A27B37116}" dt="2024-09-22T14:36:29.043" v="1766"/>
+      <pc:chgData name="Samuel Attwood" userId="b0fb8492-40a6-4f95-855e-ceb3fbec2bf8" providerId="ADAL" clId="{8CBCEF3D-AD59-40EB-A8BD-B91A27B37116}" dt="2024-09-22T14:46:21.061" v="2462"/>
       <pc:docMkLst>
         <pc:docMk/>
       </pc:docMkLst>
@@ -290,6 +296,29 @@
           <ac:spMkLst>
             <pc:docMk/>
             <pc:sldMk cId="3830051151" sldId="259"/>
+            <ac:spMk id="6" creationId="{14579F65-C266-29C2-F809-DA9E75729856}"/>
+          </ac:spMkLst>
+        </pc:spChg>
+      </pc:sldChg>
+      <pc:sldChg chg="modSp add mod">
+        <pc:chgData name="Samuel Attwood" userId="b0fb8492-40a6-4f95-855e-ceb3fbec2bf8" providerId="ADAL" clId="{8CBCEF3D-AD59-40EB-A8BD-B91A27B37116}" dt="2024-09-22T14:46:19.258" v="2459" actId="20577"/>
+        <pc:sldMkLst>
+          <pc:docMk/>
+          <pc:sldMk cId="1554234622" sldId="260"/>
+        </pc:sldMkLst>
+        <pc:spChg chg="mod">
+          <ac:chgData name="Samuel Attwood" userId="b0fb8492-40a6-4f95-855e-ceb3fbec2bf8" providerId="ADAL" clId="{8CBCEF3D-AD59-40EB-A8BD-B91A27B37116}" dt="2024-09-22T14:46:19.258" v="2459" actId="20577"/>
+          <ac:spMkLst>
+            <pc:docMk/>
+            <pc:sldMk cId="1554234622" sldId="260"/>
+            <ac:spMk id="4" creationId="{9F5FE596-77BB-F286-3565-36C02C817B5D}"/>
+          </ac:spMkLst>
+        </pc:spChg>
+        <pc:spChg chg="mod">
+          <ac:chgData name="Samuel Attwood" userId="b0fb8492-40a6-4f95-855e-ceb3fbec2bf8" providerId="ADAL" clId="{8CBCEF3D-AD59-40EB-A8BD-B91A27B37116}" dt="2024-09-22T14:43:25.650" v="1782" actId="20577"/>
+          <ac:spMkLst>
+            <pc:docMk/>
+            <pc:sldMk cId="1554234622" sldId="260"/>
             <ac:spMk id="6" creationId="{14579F65-C266-29C2-F809-DA9E75729856}"/>
           </ac:spMkLst>
         </pc:spChg>
@@ -5153,9 +5182,289 @@
 </p:sld>
 </file>
 
+<file path=ppt/slides/slide5.xml><?xml version="1.0" encoding="utf-8"?>
+<p:sld xmlns:a="http://schemas.openxmlformats.org/drawingml/2006/main" xmlns:r="http://schemas.openxmlformats.org/officeDocument/2006/relationships" xmlns:p="http://schemas.openxmlformats.org/presentationml/2006/main">
+  <p:cSld>
+    <p:bg>
+      <p:bgPr>
+        <a:solidFill>
+          <a:schemeClr val="bg1"/>
+        </a:solidFill>
+        <a:effectLst/>
+      </p:bgPr>
+    </p:bg>
+    <p:spTree>
+      <p:nvGrpSpPr>
+        <p:cNvPr id="1" name=""/>
+        <p:cNvGrpSpPr/>
+        <p:nvPr/>
+      </p:nvGrpSpPr>
+      <p:grpSpPr>
+        <a:xfrm>
+          <a:off x="0" y="0"/>
+          <a:ext cx="0" cy="0"/>
+          <a:chOff x="0" y="0"/>
+          <a:chExt cx="0" cy="0"/>
+        </a:xfrm>
+      </p:grpSpPr>
+      <p:sp useBgFill="1">
+        <p:nvSpPr>
+          <p:cNvPr id="18" name="Rectangle 17">
+            <a:extLst>
+              <a:ext uri="{FF2B5EF4-FFF2-40B4-BE49-F238E27FC236}">
+                <a16:creationId xmlns:a16="http://schemas.microsoft.com/office/drawing/2014/main" id="{511C99DC-C3C5-4EBE-91DD-345109C3D6E0}"/>
+              </a:ext>
+              <a:ext uri="{C183D7F6-B498-43B3-948B-1728B52AA6E4}">
+                <adec:decorative xmlns:adec="http://schemas.microsoft.com/office/drawing/2017/decorative" val="1"/>
+              </a:ext>
+            </a:extLst>
+          </p:cNvPr>
+          <p:cNvSpPr>
+            <a:spLocks noGrp="1" noRot="1" noChangeAspect="1" noMove="1" noResize="1" noEditPoints="1" noAdjustHandles="1" noChangeArrowheads="1" noChangeShapeType="1" noTextEdit="1"/>
+          </p:cNvSpPr>
+          <p:nvPr>
+            <p:extLst>
+              <p:ext uri="{386F3935-93C4-4BCD-93E2-E3B085C9AB24}">
+                <p16:designElem xmlns:p16="http://schemas.microsoft.com/office/powerpoint/2015/main" val="1"/>
+              </p:ext>
+            </p:extLst>
+          </p:nvPr>
+        </p:nvSpPr>
+        <p:spPr>
+          <a:xfrm>
+            <a:off x="0" y="0"/>
+            <a:ext cx="12192000" cy="6858000"/>
+          </a:xfrm>
+          <a:prstGeom prst="rect">
+            <a:avLst/>
+          </a:prstGeom>
+          <a:ln w="12700" cap="flat" cmpd="sng" algn="ctr">
+            <a:noFill/>
+            <a:prstDash val="solid"/>
+            <a:miter lim="800000"/>
+          </a:ln>
+          <a:effectLst/>
+          <a:extLst>
+            <a:ext uri="{91240B29-F687-4F45-9708-019B960494DF}">
+              <a14:hiddenLine xmlns:a14="http://schemas.microsoft.com/office/drawing/2010/main" w="12700" cap="flat" cmpd="sng" algn="ctr">
+                <a:solidFill>
+                  <a:schemeClr val="accent1">
+                    <a:shade val="50000"/>
+                  </a:schemeClr>
+                </a:solidFill>
+                <a:prstDash val="solid"/>
+                <a:miter lim="800000"/>
+              </a14:hiddenLine>
+            </a:ext>
+          </a:extLst>
+        </p:spPr>
+        <p:style>
+          <a:lnRef idx="2">
+            <a:schemeClr val="accent1">
+              <a:shade val="50000"/>
+            </a:schemeClr>
+          </a:lnRef>
+          <a:fillRef idx="1">
+            <a:schemeClr val="accent1"/>
+          </a:fillRef>
+          <a:effectRef idx="0">
+            <a:schemeClr val="accent1"/>
+          </a:effectRef>
+          <a:fontRef idx="minor">
+            <a:schemeClr val="lt1"/>
+          </a:fontRef>
+        </p:style>
+        <p:txBody>
+          <a:bodyPr rtlCol="0" anchor="ctr"/>
+          <a:lstStyle/>
+          <a:p>
+            <a:pPr algn="ctr"/>
+            <a:endParaRPr lang="en-US"/>
+          </a:p>
+        </p:txBody>
+      </p:sp>
+      <p:sp>
+        <p:nvSpPr>
+          <p:cNvPr id="6" name="TextBox 5">
+            <a:extLst>
+              <a:ext uri="{FF2B5EF4-FFF2-40B4-BE49-F238E27FC236}">
+                <a16:creationId xmlns:a16="http://schemas.microsoft.com/office/drawing/2014/main" id="{14579F65-C266-29C2-F809-DA9E75729856}"/>
+              </a:ext>
+            </a:extLst>
+          </p:cNvPr>
+          <p:cNvSpPr txBox="1"/>
+          <p:nvPr/>
+        </p:nvSpPr>
+        <p:spPr>
+          <a:xfrm>
+            <a:off x="1044516" y="1076635"/>
+            <a:ext cx="3930256" cy="3495365"/>
+          </a:xfrm>
+          <a:prstGeom prst="rect">
+            <a:avLst/>
+          </a:prstGeom>
+        </p:spPr>
+        <p:txBody>
+          <a:bodyPr vert="horz" lIns="91440" tIns="45720" rIns="91440" bIns="45720" rtlCol="0" anchor="t">
+            <a:normAutofit/>
+          </a:bodyPr>
+          <a:lstStyle/>
+          <a:p>
+            <a:pPr>
+              <a:lnSpc>
+                <a:spcPct val="85000"/>
+              </a:lnSpc>
+              <a:spcBef>
+                <a:spcPct val="0"/>
+              </a:spcBef>
+              <a:spcAft>
+                <a:spcPts val="600"/>
+              </a:spcAft>
+            </a:pPr>
+            <a:r>
+              <a:rPr lang="en-US" sz="4000" b="1" cap="all" dirty="0">
+                <a:latin typeface="Source Sans Pro" panose="020B0503030403020204" pitchFamily="34" charset="0"/>
+                <a:ea typeface="Source Sans Pro" panose="020B0503030403020204" pitchFamily="34" charset="0"/>
+                <a:cs typeface="Tahoma" panose="020B0604030504040204" pitchFamily="34" charset="0"/>
+              </a:rPr>
+              <a:t>Diagrams</a:t>
+            </a:r>
+          </a:p>
+        </p:txBody>
+      </p:sp>
+      <p:cxnSp>
+        <p:nvCxnSpPr>
+          <p:cNvPr id="20" name="Straight Connector 19">
+            <a:extLst>
+              <a:ext uri="{FF2B5EF4-FFF2-40B4-BE49-F238E27FC236}">
+                <a16:creationId xmlns:a16="http://schemas.microsoft.com/office/drawing/2014/main" id="{B0AA360F-DECB-4836-8FB6-22C4BC3FB02D}"/>
+              </a:ext>
+              <a:ext uri="{C183D7F6-B498-43B3-948B-1728B52AA6E4}">
+                <adec:decorative xmlns:adec="http://schemas.microsoft.com/office/drawing/2017/decorative" val="1"/>
+              </a:ext>
+            </a:extLst>
+          </p:cNvPr>
+          <p:cNvCxnSpPr>
+            <a:cxnSpLocks noGrp="1" noRot="1" noChangeAspect="1" noMove="1" noResize="1" noEditPoints="1" noAdjustHandles="1" noChangeArrowheads="1" noChangeShapeType="1"/>
+          </p:cNvCxnSpPr>
+          <p:nvPr>
+            <p:extLst>
+              <p:ext uri="{386F3935-93C4-4BCD-93E2-E3B085C9AB24}">
+                <p16:designElem xmlns:p16="http://schemas.microsoft.com/office/powerpoint/2015/main" val="1"/>
+              </p:ext>
+            </p:extLst>
+          </p:nvPr>
+        </p:nvCxnSpPr>
+        <p:spPr>
+          <a:xfrm>
+            <a:off x="-7684" y="1186792"/>
+            <a:ext cx="804195" cy="0"/>
+          </a:xfrm>
+          <a:prstGeom prst="line">
+            <a:avLst/>
+          </a:prstGeom>
+          <a:ln w="85725">
+            <a:solidFill>
+              <a:schemeClr val="tx1"/>
+            </a:solidFill>
+          </a:ln>
+        </p:spPr>
+        <p:style>
+          <a:lnRef idx="1">
+            <a:schemeClr val="accent1"/>
+          </a:lnRef>
+          <a:fillRef idx="0">
+            <a:schemeClr val="accent1"/>
+          </a:fillRef>
+          <a:effectRef idx="0">
+            <a:schemeClr val="accent1"/>
+          </a:effectRef>
+          <a:fontRef idx="minor">
+            <a:schemeClr val="tx1"/>
+          </a:fontRef>
+        </p:style>
+      </p:cxnSp>
+      <p:sp>
+        <p:nvSpPr>
+          <p:cNvPr id="4" name="TextBox 3">
+            <a:extLst>
+              <a:ext uri="{FF2B5EF4-FFF2-40B4-BE49-F238E27FC236}">
+                <a16:creationId xmlns:a16="http://schemas.microsoft.com/office/drawing/2014/main" id="{9F5FE596-77BB-F286-3565-36C02C817B5D}"/>
+              </a:ext>
+            </a:extLst>
+          </p:cNvPr>
+          <p:cNvSpPr txBox="1"/>
+          <p:nvPr/>
+        </p:nvSpPr>
+        <p:spPr>
+          <a:xfrm>
+            <a:off x="5137840" y="1743900"/>
+            <a:ext cx="5488971" cy="2308324"/>
+          </a:xfrm>
+          <a:prstGeom prst="rect">
+            <a:avLst/>
+          </a:prstGeom>
+          <a:noFill/>
+        </p:spPr>
+        <p:txBody>
+          <a:bodyPr wrap="square" rtlCol="0">
+            <a:spAutoFit/>
+          </a:bodyPr>
+          <a:lstStyle/>
+          <a:p>
+            <a:pPr marL="285750" indent="-285750">
+              <a:buFont typeface="Arial" panose="020B0604020202020204" pitchFamily="34" charset="0"/>
+              <a:buChar char="•"/>
+            </a:pPr>
+            <a:r>
+              <a:rPr lang="en-GB" dirty="0">
+                <a:latin typeface="Arial" panose="020B0604020202020204" pitchFamily="34" charset="0"/>
+                <a:cs typeface="Arial" panose="020B0604020202020204" pitchFamily="34" charset="0"/>
+              </a:rPr>
+              <a:t>In general, this brand guidance should never inhibit the quality of the content we produce (i.e., they can be ignored in the right circumstances).</a:t>
+            </a:r>
+          </a:p>
+          <a:p>
+            <a:pPr marL="285750" indent="-285750">
+              <a:buFont typeface="Arial" panose="020B0604020202020204" pitchFamily="34" charset="0"/>
+              <a:buChar char="•"/>
+            </a:pPr>
+            <a:endParaRPr lang="en-GB" dirty="0">
+              <a:latin typeface="Arial" panose="020B0604020202020204" pitchFamily="34" charset="0"/>
+              <a:cs typeface="Arial" panose="020B0604020202020204" pitchFamily="34" charset="0"/>
+            </a:endParaRPr>
+          </a:p>
+          <a:p>
+            <a:pPr marL="285750" indent="-285750">
+              <a:buFont typeface="Arial" panose="020B0604020202020204" pitchFamily="34" charset="0"/>
+              <a:buChar char="•"/>
+            </a:pPr>
+            <a:r>
+              <a:rPr lang="en-GB" dirty="0">
+                <a:latin typeface="Arial" panose="020B0604020202020204" pitchFamily="34" charset="0"/>
+                <a:cs typeface="Arial" panose="020B0604020202020204" pitchFamily="34" charset="0"/>
+              </a:rPr>
+              <a:t>Diagrams and images are a good example of this. If a diagram or image is useful but not consistent with these guidelines it should be included regardless.</a:t>
+            </a:r>
+          </a:p>
+        </p:txBody>
+      </p:sp>
+    </p:spTree>
+    <p:extLst>
+      <p:ext uri="{BB962C8B-B14F-4D97-AF65-F5344CB8AC3E}">
+        <p14:creationId xmlns:p14="http://schemas.microsoft.com/office/powerpoint/2010/main" val="1554234622"/>
+      </p:ext>
+    </p:extLst>
+  </p:cSld>
+  <p:clrMapOvr>
+    <a:masterClrMapping/>
+  </p:clrMapOvr>
+</p:sld>
+</file>
+
 <file path=ppt/tags/tag1.xml><?xml version="1.0" encoding="utf-8"?>
 <p:tagLst xmlns:a="http://schemas.openxmlformats.org/drawingml/2006/main" xmlns:r="http://schemas.openxmlformats.org/officeDocument/2006/relationships" xmlns:p="http://schemas.openxmlformats.org/presentationml/2006/main">
-  <p:tag name="PRESGUID" val="e1ab1dc7-121d-48d5-9661-073b447516f7"/>
+  <p:tag name="PRESGUID" val="ce8fdc4e-2a8d-46d2-9e95-f416a3947b4e"/>
 </p:tagLst>
 </file>
 
